--- a/STAG - Apickli demo.pptx
+++ b/STAG - Apickli demo.pptx
@@ -3642,7 +3642,25 @@
             </a:r>
           </a:p>
           <a:p>
-            <a:endParaRPr lang="en-AU" dirty="0"/>
+            <a:pPr lvl="1"/>
+            <a:r>
+              <a:rPr lang="en-AU" dirty="0"/>
+              <a:t>BDD tests more lower-level.</a:t>
+            </a:r>
+          </a:p>
+          <a:p>
+            <a:pPr lvl="1"/>
+            <a:r>
+              <a:rPr lang="en-AU" dirty="0"/>
+              <a:t>Not recommended for UI tests (Declarative) style.</a:t>
+            </a:r>
+          </a:p>
+          <a:p>
+            <a:pPr lvl="1"/>
+            <a:r>
+              <a:rPr lang="en-AU" dirty="0"/>
+              <a:t>Developer/Tester friendly.</a:t>
+            </a:r>
           </a:p>
         </p:txBody>
       </p:sp>
